--- a/CAPSTONE PREZ.pptx
+++ b/CAPSTONE PREZ.pptx
@@ -8,10 +8,8 @@
     <p:sldId id="256" r:id="rId2"/>
     <p:sldId id="257" r:id="rId3"/>
     <p:sldId id="258" r:id="rId4"/>
-    <p:sldId id="259" r:id="rId5"/>
-    <p:sldId id="260" r:id="rId6"/>
-    <p:sldId id="261" r:id="rId7"/>
-    <p:sldId id="262" r:id="rId8"/>
+    <p:sldId id="260" r:id="rId5"/>
+    <p:sldId id="262" r:id="rId6"/>
   </p:sldIdLst>
   <p:sldSz cx="12192000" cy="6858000"/>
   <p:notesSz cx="6858000" cy="9144000"/>
@@ -110,6 +108,11 @@
       </a:defRPr>
     </a:lvl9pPr>
   </p:defaultTextStyle>
+  <p:extLst>
+    <p:ext uri="{EFAFB233-063F-42B5-8137-9DF3F51BA10A}">
+      <p15:sldGuideLst xmlns:p15="http://schemas.microsoft.com/office/powerpoint/2012/main"/>
+    </p:ext>
+  </p:extLst>
 </p:presentation>
 </file>
 
@@ -1523,7 +1526,7 @@
             <a:fld id="{48A87A34-81AB-432B-8DAE-1953F412C126}" type="datetimeFigureOut">
               <a:rPr lang="en-US" dirty="0"/>
               <a:pPr/>
-              <a:t>2/12/20</a:t>
+              <a:t>2/13/20</a:t>
             </a:fld>
             <a:endParaRPr lang="en-US" dirty="0"/>
           </a:p>
@@ -2977,7 +2980,7 @@
           <a:p>
             <a:fld id="{48A87A34-81AB-432B-8DAE-1953F412C126}" type="datetimeFigureOut">
               <a:rPr lang="en-US" dirty="0"/>
-              <a:t>2/12/20</a:t>
+              <a:t>2/13/20</a:t>
             </a:fld>
             <a:endParaRPr lang="en-US" dirty="0"/>
           </a:p>
@@ -4425,7 +4428,7 @@
           <a:p>
             <a:fld id="{48A87A34-81AB-432B-8DAE-1953F412C126}" type="datetimeFigureOut">
               <a:rPr lang="en-US" dirty="0"/>
-              <a:t>2/12/20</a:t>
+              <a:t>2/13/20</a:t>
             </a:fld>
             <a:endParaRPr lang="en-US" dirty="0"/>
           </a:p>
@@ -5875,7 +5878,7 @@
           <a:p>
             <a:fld id="{48A87A34-81AB-432B-8DAE-1953F412C126}" type="datetimeFigureOut">
               <a:rPr lang="en-US" dirty="0"/>
-              <a:t>2/12/20</a:t>
+              <a:t>2/13/20</a:t>
             </a:fld>
             <a:endParaRPr lang="en-US" dirty="0"/>
           </a:p>
@@ -7378,7 +7381,7 @@
           <a:p>
             <a:fld id="{48A87A34-81AB-432B-8DAE-1953F412C126}" type="datetimeFigureOut">
               <a:rPr lang="en-US" dirty="0"/>
-              <a:t>2/12/20</a:t>
+              <a:t>2/13/20</a:t>
             </a:fld>
             <a:endParaRPr lang="en-US" dirty="0"/>
           </a:p>
@@ -8894,7 +8897,7 @@
           <a:p>
             <a:fld id="{48A87A34-81AB-432B-8DAE-1953F412C126}" type="datetimeFigureOut">
               <a:rPr lang="en-US" dirty="0"/>
-              <a:t>2/12/20</a:t>
+              <a:t>2/13/20</a:t>
             </a:fld>
             <a:endParaRPr lang="en-US" dirty="0"/>
           </a:p>
@@ -10554,7 +10557,7 @@
           <a:p>
             <a:fld id="{48A87A34-81AB-432B-8DAE-1953F412C126}" type="datetimeFigureOut">
               <a:rPr lang="en-US" dirty="0"/>
-              <a:t>2/12/20</a:t>
+              <a:t>2/13/20</a:t>
             </a:fld>
             <a:endParaRPr lang="en-US" dirty="0"/>
           </a:p>
@@ -11947,7 +11950,7 @@
           <a:p>
             <a:fld id="{48A87A34-81AB-432B-8DAE-1953F412C126}" type="datetimeFigureOut">
               <a:rPr lang="en-US" dirty="0"/>
-              <a:t>2/12/20</a:t>
+              <a:t>2/13/20</a:t>
             </a:fld>
             <a:endParaRPr lang="en-US" dirty="0"/>
           </a:p>
@@ -12042,7 +12045,7 @@
           <a:p>
             <a:fld id="{48A87A34-81AB-432B-8DAE-1953F412C126}" type="datetimeFigureOut">
               <a:rPr lang="en-US" dirty="0"/>
-              <a:t>2/12/20</a:t>
+              <a:t>2/13/20</a:t>
             </a:fld>
             <a:endParaRPr lang="en-US" dirty="0"/>
           </a:p>
@@ -13563,7 +13566,7 @@
           <a:p>
             <a:fld id="{48A87A34-81AB-432B-8DAE-1953F412C126}" type="datetimeFigureOut">
               <a:rPr lang="en-US" dirty="0"/>
-              <a:t>2/12/20</a:t>
+              <a:t>2/13/20</a:t>
             </a:fld>
             <a:endParaRPr lang="en-US" dirty="0"/>
           </a:p>
@@ -15094,7 +15097,7 @@
           <a:p>
             <a:fld id="{48A87A34-81AB-432B-8DAE-1953F412C126}" type="datetimeFigureOut">
               <a:rPr lang="en-US" dirty="0"/>
-              <a:t>2/12/20</a:t>
+              <a:t>2/13/20</a:t>
             </a:fld>
             <a:endParaRPr lang="en-US" dirty="0"/>
           </a:p>
@@ -15313,7 +15316,7 @@
             <a:fld id="{48A87A34-81AB-432B-8DAE-1953F412C126}" type="datetimeFigureOut">
               <a:rPr lang="en-US" dirty="0"/>
               <a:pPr/>
-              <a:t>2/12/20</a:t>
+              <a:t>2/13/20</a:t>
             </a:fld>
             <a:endParaRPr lang="en-US" dirty="0"/>
           </a:p>
@@ -15873,7 +15876,14 @@
           <a:p>
             <a:r>
               <a:rPr lang="en-US" dirty="0"/>
-              <a:t>INTRO</a:t>
+              <a:t>BUSINESS</a:t>
+            </a:r>
+            <a:br>
+              <a:rPr lang="en-US" dirty="0"/>
+            </a:br>
+            <a:r>
+              <a:rPr lang="en-US" dirty="0"/>
+              <a:t>PROBLEM</a:t>
             </a:r>
           </a:p>
         </p:txBody>
@@ -15901,19 +15911,13 @@
           <a:p>
             <a:r>
               <a:rPr lang="en-US" dirty="0"/>
-              <a:t>Steak is a popular meat that is consumed in Sydney, Australia. However, in recent years, the popularity of beef is declining.</a:t>
+              <a:t>Location of Steakhouse can determine its success or failure as a restaurant</a:t>
             </a:r>
           </a:p>
           <a:p>
             <a:r>
               <a:rPr lang="en-US" dirty="0"/>
-              <a:t>The consumption of meat has declined in Australia due to the lack of Steakhouses in the Sydney area. Opening a steakhouse can increase the consumption of beef in the future.</a:t>
-            </a:r>
-          </a:p>
-          <a:p>
-            <a:r>
-              <a:rPr lang="en-US" dirty="0"/>
-              <a:t>The objective of this capstone project is to find an area in Sydney, Australia to open a new Steakhouse. Using data science skills, we answer the question: In the city of Sydney, Australia, if a steakhouse restaurant owner wants to open a restaurant, where would you recommend opening it? </a:t>
+              <a:t>In the city of Sydney, Australia, if a steakhouse restaurant owner wants to open a restaurant, where would you recommend opening it? </a:t>
             </a:r>
           </a:p>
           <a:p>
@@ -16000,6 +16004,9 @@
           <a:bodyPr/>
           <a:lstStyle/>
           <a:p>
+            <a:pPr marL="0" indent="0">
+              <a:buNone/>
+            </a:pPr>
             <a:r>
               <a:rPr lang="en-US" b="1" dirty="0"/>
               <a:t>To solve the problem, we will need the following data:</a:t>
@@ -16028,6 +16035,9 @@
             </a:r>
           </a:p>
           <a:p>
+            <a:pPr marL="0" indent="0">
+              <a:buNone/>
+            </a:pPr>
             <a:r>
               <a:rPr lang="en-US" b="1" dirty="0"/>
               <a:t>Source of data and methods to extract them</a:t>
@@ -16066,98 +16076,6 @@
 </file>
 
 <file path=ppt/slides/slide4.xml><?xml version="1.0" encoding="utf-8"?>
-<p:sld xmlns:a="http://schemas.openxmlformats.org/drawingml/2006/main" xmlns:r="http://schemas.openxmlformats.org/officeDocument/2006/relationships" xmlns:p="http://schemas.openxmlformats.org/presentationml/2006/main">
-  <p:cSld>
-    <p:spTree>
-      <p:nvGrpSpPr>
-        <p:cNvPr id="1" name=""/>
-        <p:cNvGrpSpPr/>
-        <p:nvPr/>
-      </p:nvGrpSpPr>
-      <p:grpSpPr>
-        <a:xfrm>
-          <a:off x="0" y="0"/>
-          <a:ext cx="0" cy="0"/>
-          <a:chOff x="0" y="0"/>
-          <a:chExt cx="0" cy="0"/>
-        </a:xfrm>
-      </p:grpSpPr>
-      <p:sp>
-        <p:nvSpPr>
-          <p:cNvPr id="2" name="Title 1">
-            <a:extLst>
-              <a:ext uri="{FF2B5EF4-FFF2-40B4-BE49-F238E27FC236}">
-                <a16:creationId xmlns:a16="http://schemas.microsoft.com/office/drawing/2014/main" id="{792495C7-96F0-D446-8BBB-CF401E1E7277}"/>
-              </a:ext>
-            </a:extLst>
-          </p:cNvPr>
-          <p:cNvSpPr>
-            <a:spLocks noGrp="1"/>
-          </p:cNvSpPr>
-          <p:nvPr>
-            <p:ph type="title"/>
-          </p:nvPr>
-        </p:nvSpPr>
-        <p:spPr/>
-        <p:txBody>
-          <a:bodyPr/>
-          <a:lstStyle/>
-          <a:p>
-            <a:r>
-              <a:rPr lang="en-US" dirty="0"/>
-              <a:t>METHODS</a:t>
-            </a:r>
-          </a:p>
-        </p:txBody>
-      </p:sp>
-      <p:sp>
-        <p:nvSpPr>
-          <p:cNvPr id="3" name="Content Placeholder 2">
-            <a:extLst>
-              <a:ext uri="{FF2B5EF4-FFF2-40B4-BE49-F238E27FC236}">
-                <a16:creationId xmlns:a16="http://schemas.microsoft.com/office/drawing/2014/main" id="{FDFA084E-A893-DA4F-859A-81E2D6EF726C}"/>
-              </a:ext>
-            </a:extLst>
-          </p:cNvPr>
-          <p:cNvSpPr>
-            <a:spLocks noGrp="1"/>
-          </p:cNvSpPr>
-          <p:nvPr>
-            <p:ph idx="1"/>
-          </p:nvPr>
-        </p:nvSpPr>
-        <p:spPr/>
-        <p:txBody>
-          <a:bodyPr/>
-          <a:lstStyle/>
-          <a:p>
-            <a:endParaRPr lang="en-US" dirty="0"/>
-          </a:p>
-          <a:p>
-            <a:r>
-              <a:rPr lang="en-US" dirty="0"/>
-              <a:t>Used k-means clustering on the data I have acquired. I used this machine learning algorithm because it is one of the algorithms that is the easiest to use in a mapping situation. I used 3 clusters based on the “Steakhouse” amount in Sydney, Australia. Based on how many steakhouses there are in different neighborhoods, I could see what cluster needs a new or new steakhouse. </a:t>
-            </a:r>
-          </a:p>
-          <a:p>
-            <a:endParaRPr lang="en-US" dirty="0"/>
-          </a:p>
-        </p:txBody>
-      </p:sp>
-    </p:spTree>
-    <p:extLst>
-      <p:ext uri="{BB962C8B-B14F-4D97-AF65-F5344CB8AC3E}">
-        <p14:creationId xmlns:p14="http://schemas.microsoft.com/office/powerpoint/2010/main" val="3373520094"/>
-      </p:ext>
-    </p:extLst>
-  </p:cSld>
-  <p:clrMapOvr>
-    <a:masterClrMapping/>
-  </p:clrMapOvr>
-</p:sld>
-</file>
-
-<file path=ppt/slides/slide5.xml><?xml version="1.0" encoding="utf-8"?>
 <p:sld xmlns:a="http://schemas.openxmlformats.org/drawingml/2006/main" xmlns:r="http://schemas.openxmlformats.org/officeDocument/2006/relationships" xmlns:p="http://schemas.openxmlformats.org/presentationml/2006/main">
   <p:cSld>
     <p:bg>
@@ -18621,93 +18539,7 @@
 </p:sld>
 </file>
 
-<file path=ppt/slides/slide6.xml><?xml version="1.0" encoding="utf-8"?>
-<p:sld xmlns:a="http://schemas.openxmlformats.org/drawingml/2006/main" xmlns:r="http://schemas.openxmlformats.org/officeDocument/2006/relationships" xmlns:p="http://schemas.openxmlformats.org/presentationml/2006/main">
-  <p:cSld>
-    <p:spTree>
-      <p:nvGrpSpPr>
-        <p:cNvPr id="1" name=""/>
-        <p:cNvGrpSpPr/>
-        <p:nvPr/>
-      </p:nvGrpSpPr>
-      <p:grpSpPr>
-        <a:xfrm>
-          <a:off x="0" y="0"/>
-          <a:ext cx="0" cy="0"/>
-          <a:chOff x="0" y="0"/>
-          <a:chExt cx="0" cy="0"/>
-        </a:xfrm>
-      </p:grpSpPr>
-      <p:sp>
-        <p:nvSpPr>
-          <p:cNvPr id="2" name="Title 1">
-            <a:extLst>
-              <a:ext uri="{FF2B5EF4-FFF2-40B4-BE49-F238E27FC236}">
-                <a16:creationId xmlns:a16="http://schemas.microsoft.com/office/drawing/2014/main" id="{98BBC792-9C07-D14E-B30B-58D9068ED1D8}"/>
-              </a:ext>
-            </a:extLst>
-          </p:cNvPr>
-          <p:cNvSpPr>
-            <a:spLocks noGrp="1"/>
-          </p:cNvSpPr>
-          <p:nvPr>
-            <p:ph type="title"/>
-          </p:nvPr>
-        </p:nvSpPr>
-        <p:spPr/>
-        <p:txBody>
-          <a:bodyPr/>
-          <a:lstStyle/>
-          <a:p>
-            <a:r>
-              <a:rPr lang="en-US" dirty="0"/>
-              <a:t>DISCUSSION</a:t>
-            </a:r>
-          </a:p>
-        </p:txBody>
-      </p:sp>
-      <p:sp>
-        <p:nvSpPr>
-          <p:cNvPr id="3" name="Content Placeholder 2">
-            <a:extLst>
-              <a:ext uri="{FF2B5EF4-FFF2-40B4-BE49-F238E27FC236}">
-                <a16:creationId xmlns:a16="http://schemas.microsoft.com/office/drawing/2014/main" id="{91AD9786-97B2-7D45-8A4E-D45DF2324D50}"/>
-              </a:ext>
-            </a:extLst>
-          </p:cNvPr>
-          <p:cNvSpPr>
-            <a:spLocks noGrp="1"/>
-          </p:cNvSpPr>
-          <p:nvPr>
-            <p:ph idx="1"/>
-          </p:nvPr>
-        </p:nvSpPr>
-        <p:spPr/>
-        <p:txBody>
-          <a:bodyPr/>
-          <a:lstStyle/>
-          <a:p>
-            <a:r>
-              <a:rPr lang="en-US" dirty="0"/>
-              <a:t>Clusters 1 and cluster 0 have low amount of competition for Steakhouses, therefore it will be beneficial for a new steakhouse to be located in cluster 1 and cluster 0.</a:t>
-            </a:r>
-          </a:p>
-        </p:txBody>
-      </p:sp>
-    </p:spTree>
-    <p:extLst>
-      <p:ext uri="{BB962C8B-B14F-4D97-AF65-F5344CB8AC3E}">
-        <p14:creationId xmlns:p14="http://schemas.microsoft.com/office/powerpoint/2010/main" val="1478987814"/>
-      </p:ext>
-    </p:extLst>
-  </p:cSld>
-  <p:clrMapOvr>
-    <a:masterClrMapping/>
-  </p:clrMapOvr>
-</p:sld>
-</file>
-
-<file path=ppt/slides/slide7.xml><?xml version="1.0" encoding="utf-8"?>
+<file path=ppt/slides/slide5.xml><?xml version="1.0" encoding="utf-8"?>
 <p:sld xmlns:a="http://schemas.openxmlformats.org/drawingml/2006/main" xmlns:r="http://schemas.openxmlformats.org/officeDocument/2006/relationships" xmlns:p="http://schemas.openxmlformats.org/presentationml/2006/main">
   <p:cSld>
     <p:spTree>
